--- a/Machine Learning Project_1.pptx
+++ b/Machine Learning Project_1.pptx
@@ -348,7 +348,7 @@
             <a:fld id="{5586B75A-687E-405C-8A0B-8D00578BA2C3}" type="datetimeFigureOut">
               <a:rPr lang="en-US" dirty="0"/>
               <a:pPr/>
-              <a:t>4/15/2019</a:t>
+              <a:t>4/16/2019</a:t>
             </a:fld>
             <a:endParaRPr lang="en-US" dirty="0"/>
           </a:p>
@@ -515,7 +515,7 @@
             <a:fld id="{5586B75A-687E-405C-8A0B-8D00578BA2C3}" type="datetimeFigureOut">
               <a:rPr lang="en-US" dirty="0"/>
               <a:pPr/>
-              <a:t>4/15/2019</a:t>
+              <a:t>4/16/2019</a:t>
             </a:fld>
             <a:endParaRPr lang="en-US" dirty="0"/>
           </a:p>
@@ -692,7 +692,7 @@
             <a:fld id="{5586B75A-687E-405C-8A0B-8D00578BA2C3}" type="datetimeFigureOut">
               <a:rPr lang="en-US" dirty="0"/>
               <a:pPr/>
-              <a:t>4/15/2019</a:t>
+              <a:t>4/16/2019</a:t>
             </a:fld>
             <a:endParaRPr lang="en-US" dirty="0"/>
           </a:p>
@@ -859,7 +859,7 @@
             <a:fld id="{5586B75A-687E-405C-8A0B-8D00578BA2C3}" type="datetimeFigureOut">
               <a:rPr lang="en-US" dirty="0"/>
               <a:pPr/>
-              <a:t>4/15/2019</a:t>
+              <a:t>4/16/2019</a:t>
             </a:fld>
             <a:endParaRPr lang="en-US" dirty="0"/>
           </a:p>
@@ -1114,7 +1114,7 @@
             <a:fld id="{5586B75A-687E-405C-8A0B-8D00578BA2C3}" type="datetimeFigureOut">
               <a:rPr lang="en-US" dirty="0"/>
               <a:pPr/>
-              <a:t>4/15/2019</a:t>
+              <a:t>4/16/2019</a:t>
             </a:fld>
             <a:endParaRPr lang="en-US" dirty="0"/>
           </a:p>
@@ -1399,7 +1399,7 @@
             <a:fld id="{5586B75A-687E-405C-8A0B-8D00578BA2C3}" type="datetimeFigureOut">
               <a:rPr lang="en-US" dirty="0"/>
               <a:pPr/>
-              <a:t>4/15/2019</a:t>
+              <a:t>4/16/2019</a:t>
             </a:fld>
             <a:endParaRPr lang="en-US" dirty="0"/>
           </a:p>
@@ -1838,7 +1838,7 @@
             <a:fld id="{5586B75A-687E-405C-8A0B-8D00578BA2C3}" type="datetimeFigureOut">
               <a:rPr lang="en-US" dirty="0"/>
               <a:pPr/>
-              <a:t>4/15/2019</a:t>
+              <a:t>4/16/2019</a:t>
             </a:fld>
             <a:endParaRPr lang="en-US" dirty="0"/>
           </a:p>
@@ -1953,7 +1953,7 @@
             <a:fld id="{5586B75A-687E-405C-8A0B-8D00578BA2C3}" type="datetimeFigureOut">
               <a:rPr lang="en-US" dirty="0"/>
               <a:pPr/>
-              <a:t>4/15/2019</a:t>
+              <a:t>4/16/2019</a:t>
             </a:fld>
             <a:endParaRPr lang="en-US" dirty="0"/>
           </a:p>
@@ -2045,7 +2045,7 @@
             <a:fld id="{5586B75A-687E-405C-8A0B-8D00578BA2C3}" type="datetimeFigureOut">
               <a:rPr lang="en-US" dirty="0"/>
               <a:pPr/>
-              <a:t>4/15/2019</a:t>
+              <a:t>4/16/2019</a:t>
             </a:fld>
             <a:endParaRPr lang="en-US" dirty="0"/>
           </a:p>
@@ -2330,7 +2330,7 @@
             <a:fld id="{5586B75A-687E-405C-8A0B-8D00578BA2C3}" type="datetimeFigureOut">
               <a:rPr lang="en-US" dirty="0"/>
               <a:pPr/>
-              <a:t>4/15/2019</a:t>
+              <a:t>4/16/2019</a:t>
             </a:fld>
             <a:endParaRPr lang="en-US" dirty="0"/>
           </a:p>
@@ -2600,7 +2600,7 @@
             <a:fld id="{5586B75A-687E-405C-8A0B-8D00578BA2C3}" type="datetimeFigureOut">
               <a:rPr lang="en-US" dirty="0"/>
               <a:pPr/>
-              <a:t>4/15/2019</a:t>
+              <a:t>4/16/2019</a:t>
             </a:fld>
             <a:endParaRPr lang="en-US" dirty="0"/>
           </a:p>
@@ -2894,7 +2894,7 @@
             <a:fld id="{5586B75A-687E-405C-8A0B-8D00578BA2C3}" type="datetimeFigureOut">
               <a:rPr lang="en-US" dirty="0"/>
               <a:pPr/>
-              <a:t>4/15/2019</a:t>
+              <a:t>4/16/2019</a:t>
             </a:fld>
             <a:endParaRPr lang="en-US" dirty="0"/>
           </a:p>
@@ -5294,19 +5294,19 @@
           <a:p>
             <a:r>
               <a:rPr lang="en-US" dirty="0"/>
-              <a:t>Create a plotting function that can plot the loss/accuracy against the number of epochs on the training and validation dataset. This works similar as tensor board.</a:t>
-            </a:r>
-          </a:p>
-          <a:p>
-            <a:r>
-              <a:rPr lang="en-US" dirty="0"/>
-              <a:t>Created a Sequential NN with 5 layers (input/output + 3 hidden layers). Another feature we added is 'dropout' which can help adjust weights to avoid over fitting and reduce running time.</a:t>
-            </a:r>
-          </a:p>
-          <a:p>
-            <a:r>
-              <a:rPr lang="en-US" dirty="0"/>
-              <a:t>Compare the </a:t>
+              <a:t>Created a plotting function to plot the loss/accuracy against the number of epochs on the training and validation dataset. This works similar as tensor board.</a:t>
+            </a:r>
+          </a:p>
+          <a:p>
+            <a:r>
+              <a:rPr lang="en-US" dirty="0"/>
+              <a:t>Created a Sequential NN with 5 layers (input/output + 3 hidden layers). Another feature we added was 'dropout' which avoided overfitting and reduced running time.</a:t>
+            </a:r>
+          </a:p>
+          <a:p>
+            <a:r>
+              <a:rPr lang="en-US" dirty="0"/>
+              <a:t>Compared the </a:t>
             </a:r>
             <a:r>
               <a:rPr lang="en-US" dirty="0" err="1"/>
@@ -5314,7 +5314,7 @@
             </a:r>
             <a:r>
               <a:rPr lang="en-US" dirty="0"/>
-              <a:t> prediction results with the SVM result under ROC. It shows the </a:t>
+              <a:t> prediction results with the SVM result under ROC. It showed the </a:t>
             </a:r>
             <a:r>
               <a:rPr lang="en-US" dirty="0" err="1"/>
@@ -5322,7 +5322,7 @@
             </a:r>
             <a:r>
               <a:rPr lang="en-US" dirty="0"/>
-              <a:t> result is slightly better.</a:t>
+              <a:t> result was slightly better.</a:t>
             </a:r>
           </a:p>
           <a:p>
